--- a/Data Structures using C#/data-structures-using-.net-core-csharp/Sortings/Merge Sort/MergeSort.pptx
+++ b/Data Structures using C#/data-structures-using-.net-core-csharp/Sortings/Merge Sort/MergeSort.pptx
@@ -209,7 +209,7 @@
           <a:p>
             <a:fld id="{2FB6FFA2-5596-DA47-A26B-229D3D705C9C}" type="datetimeFigureOut">
               <a:rPr lang="en-US" smtClean="0"/>
-              <a:t>1/10/22</a:t>
+              <a:t>5/24/22</a:t>
             </a:fld>
             <a:endParaRPr lang="en-US"/>
           </a:p>
@@ -1715,7 +1715,7 @@
           <a:p>
             <a:fld id="{D7AFABE5-C7E3-F145-818B-F1C9F2CF8384}" type="datetimeFigureOut">
               <a:rPr lang="en-US" smtClean="0"/>
-              <a:t>1/10/22</a:t>
+              <a:t>5/24/22</a:t>
             </a:fld>
             <a:endParaRPr lang="en-US"/>
           </a:p>
@@ -1913,7 +1913,7 @@
           <a:p>
             <a:fld id="{D7AFABE5-C7E3-F145-818B-F1C9F2CF8384}" type="datetimeFigureOut">
               <a:rPr lang="en-US" smtClean="0"/>
-              <a:t>1/10/22</a:t>
+              <a:t>5/24/22</a:t>
             </a:fld>
             <a:endParaRPr lang="en-US"/>
           </a:p>
@@ -2121,7 +2121,7 @@
           <a:p>
             <a:fld id="{D7AFABE5-C7E3-F145-818B-F1C9F2CF8384}" type="datetimeFigureOut">
               <a:rPr lang="en-US" smtClean="0"/>
-              <a:t>1/10/22</a:t>
+              <a:t>5/24/22</a:t>
             </a:fld>
             <a:endParaRPr lang="en-US"/>
           </a:p>
@@ -2319,7 +2319,7 @@
           <a:p>
             <a:fld id="{D7AFABE5-C7E3-F145-818B-F1C9F2CF8384}" type="datetimeFigureOut">
               <a:rPr lang="en-US" smtClean="0"/>
-              <a:t>1/10/22</a:t>
+              <a:t>5/24/22</a:t>
             </a:fld>
             <a:endParaRPr lang="en-US"/>
           </a:p>
@@ -2594,7 +2594,7 @@
           <a:p>
             <a:fld id="{D7AFABE5-C7E3-F145-818B-F1C9F2CF8384}" type="datetimeFigureOut">
               <a:rPr lang="en-US" smtClean="0"/>
-              <a:t>1/10/22</a:t>
+              <a:t>5/24/22</a:t>
             </a:fld>
             <a:endParaRPr lang="en-US"/>
           </a:p>
@@ -2859,7 +2859,7 @@
           <a:p>
             <a:fld id="{D7AFABE5-C7E3-F145-818B-F1C9F2CF8384}" type="datetimeFigureOut">
               <a:rPr lang="en-US" smtClean="0"/>
-              <a:t>1/10/22</a:t>
+              <a:t>5/24/22</a:t>
             </a:fld>
             <a:endParaRPr lang="en-US"/>
           </a:p>
@@ -3271,7 +3271,7 @@
           <a:p>
             <a:fld id="{D7AFABE5-C7E3-F145-818B-F1C9F2CF8384}" type="datetimeFigureOut">
               <a:rPr lang="en-US" smtClean="0"/>
-              <a:t>1/10/22</a:t>
+              <a:t>5/24/22</a:t>
             </a:fld>
             <a:endParaRPr lang="en-US"/>
           </a:p>
@@ -3412,7 +3412,7 @@
           <a:p>
             <a:fld id="{D7AFABE5-C7E3-F145-818B-F1C9F2CF8384}" type="datetimeFigureOut">
               <a:rPr lang="en-US" smtClean="0"/>
-              <a:t>1/10/22</a:t>
+              <a:t>5/24/22</a:t>
             </a:fld>
             <a:endParaRPr lang="en-US"/>
           </a:p>
@@ -3525,7 +3525,7 @@
           <a:p>
             <a:fld id="{D7AFABE5-C7E3-F145-818B-F1C9F2CF8384}" type="datetimeFigureOut">
               <a:rPr lang="en-US" smtClean="0"/>
-              <a:t>1/10/22</a:t>
+              <a:t>5/24/22</a:t>
             </a:fld>
             <a:endParaRPr lang="en-US"/>
           </a:p>
@@ -3836,7 +3836,7 @@
           <a:p>
             <a:fld id="{D7AFABE5-C7E3-F145-818B-F1C9F2CF8384}" type="datetimeFigureOut">
               <a:rPr lang="en-US" smtClean="0"/>
-              <a:t>1/10/22</a:t>
+              <a:t>5/24/22</a:t>
             </a:fld>
             <a:endParaRPr lang="en-US"/>
           </a:p>
@@ -4124,7 +4124,7 @@
           <a:p>
             <a:fld id="{D7AFABE5-C7E3-F145-818B-F1C9F2CF8384}" type="datetimeFigureOut">
               <a:rPr lang="en-US" smtClean="0"/>
-              <a:t>1/10/22</a:t>
+              <a:t>5/24/22</a:t>
             </a:fld>
             <a:endParaRPr lang="en-US"/>
           </a:p>
@@ -4365,7 +4365,7 @@
           <a:p>
             <a:fld id="{D7AFABE5-C7E3-F145-818B-F1C9F2CF8384}" type="datetimeFigureOut">
               <a:rPr lang="en-US" smtClean="0"/>
-              <a:t>1/10/22</a:t>
+              <a:t>5/24/22</a:t>
             </a:fld>
             <a:endParaRPr lang="en-US"/>
           </a:p>
@@ -6934,12 +6934,283 @@
           </a:p>
         </p:txBody>
       </p:sp>
+      <p:graphicFrame>
+        <p:nvGraphicFramePr>
+          <p:cNvPr id="17" name="Table 2">
+            <a:extLst>
+              <a:ext uri="{FF2B5EF4-FFF2-40B4-BE49-F238E27FC236}">
+                <a16:creationId xmlns:a16="http://schemas.microsoft.com/office/drawing/2014/main" id="{D74523B5-09DE-5BAA-C35C-487E60EA9BD5}"/>
+              </a:ext>
+            </a:extLst>
+          </p:cNvPr>
+          <p:cNvGraphicFramePr>
+            <a:graphicFrameLocks noGrp="1"/>
+          </p:cNvGraphicFramePr>
+          <p:nvPr>
+            <p:extLst>
+              <p:ext uri="{D42A27DB-BD31-4B8C-83A1-F6EECF244321}">
+                <p14:modId xmlns:p14="http://schemas.microsoft.com/office/powerpoint/2010/main" val="763307374"/>
+              </p:ext>
+            </p:extLst>
+          </p:nvPr>
+        </p:nvGraphicFramePr>
+        <p:xfrm>
+          <a:off x="726795" y="360968"/>
+          <a:ext cx="3802252" cy="936729"/>
+        </p:xfrm>
+        <a:graphic>
+          <a:graphicData uri="http://schemas.openxmlformats.org/drawingml/2006/table">
+            <a:tbl>
+              <a:tblPr>
+                <a:effectLst/>
+                <a:tableStyleId>{5C22544A-7EE6-4342-B048-85BDC9FD1C3A}</a:tableStyleId>
+              </a:tblPr>
+              <a:tblGrid>
+                <a:gridCol w="896624">
+                  <a:extLst>
+                    <a:ext uri="{9D8B030D-6E8A-4147-A177-3AD203B41FA5}">
+                      <a16:colId xmlns:a16="http://schemas.microsoft.com/office/drawing/2014/main" val="903445238"/>
+                    </a:ext>
+                  </a:extLst>
+                </a:gridCol>
+                <a:gridCol w="924466">
+                  <a:extLst>
+                    <a:ext uri="{9D8B030D-6E8A-4147-A177-3AD203B41FA5}">
+                      <a16:colId xmlns:a16="http://schemas.microsoft.com/office/drawing/2014/main" val="1986698563"/>
+                    </a:ext>
+                  </a:extLst>
+                </a:gridCol>
+                <a:gridCol w="982530">
+                  <a:extLst>
+                    <a:ext uri="{9D8B030D-6E8A-4147-A177-3AD203B41FA5}">
+                      <a16:colId xmlns:a16="http://schemas.microsoft.com/office/drawing/2014/main" val="621528173"/>
+                    </a:ext>
+                  </a:extLst>
+                </a:gridCol>
+                <a:gridCol w="998632">
+                  <a:extLst>
+                    <a:ext uri="{9D8B030D-6E8A-4147-A177-3AD203B41FA5}">
+                      <a16:colId xmlns:a16="http://schemas.microsoft.com/office/drawing/2014/main" val="3612687831"/>
+                    </a:ext>
+                  </a:extLst>
+                </a:gridCol>
+              </a:tblGrid>
+              <a:tr h="501787">
+                <a:tc>
+                  <a:txBody>
+                    <a:bodyPr/>
+                    <a:lstStyle/>
+                    <a:p>
+                      <a:pPr algn="ctr"/>
+                      <a:r>
+                        <a:rPr lang="en-US" sz="2000" b="1" cap="none" spc="0" dirty="0">
+                          <a:ln>
+                            <a:noFill/>
+                          </a:ln>
+                          <a:solidFill>
+                            <a:schemeClr val="tx1"/>
+                          </a:solidFill>
+                          <a:effectLst/>
+                        </a:rPr>
+                        <a:t>30</a:t>
+                      </a:r>
+                    </a:p>
+                  </a:txBody>
+                  <a:tcPr anchor="ctr">
+                    <a:noFill/>
+                  </a:tcPr>
+                </a:tc>
+                <a:tc>
+                  <a:txBody>
+                    <a:bodyPr/>
+                    <a:lstStyle/>
+                    <a:p>
+                      <a:pPr algn="ctr"/>
+                      <a:r>
+                        <a:rPr lang="en-US" sz="2000" b="1" cap="none" spc="0" dirty="0">
+                          <a:ln>
+                            <a:noFill/>
+                          </a:ln>
+                          <a:solidFill>
+                            <a:schemeClr val="tx1"/>
+                          </a:solidFill>
+                          <a:effectLst/>
+                        </a:rPr>
+                        <a:t>40</a:t>
+                      </a:r>
+                    </a:p>
+                  </a:txBody>
+                  <a:tcPr anchor="ctr">
+                    <a:noFill/>
+                  </a:tcPr>
+                </a:tc>
+                <a:tc>
+                  <a:txBody>
+                    <a:bodyPr/>
+                    <a:lstStyle/>
+                    <a:p>
+                      <a:pPr algn="ctr"/>
+                      <a:r>
+                        <a:rPr lang="en-US" sz="2000" b="1" cap="none" spc="0" dirty="0">
+                          <a:ln>
+                            <a:noFill/>
+                          </a:ln>
+                          <a:solidFill>
+                            <a:schemeClr val="tx1"/>
+                          </a:solidFill>
+                          <a:effectLst/>
+                        </a:rPr>
+                        <a:t>10</a:t>
+                      </a:r>
+                    </a:p>
+                  </a:txBody>
+                  <a:tcPr anchor="ctr">
+                    <a:noFill/>
+                  </a:tcPr>
+                </a:tc>
+                <a:tc>
+                  <a:txBody>
+                    <a:bodyPr/>
+                    <a:lstStyle/>
+                    <a:p>
+                      <a:pPr algn="ctr"/>
+                      <a:r>
+                        <a:rPr lang="en-US" sz="2000" b="1" cap="none" spc="0" dirty="0">
+                          <a:ln>
+                            <a:noFill/>
+                          </a:ln>
+                          <a:solidFill>
+                            <a:schemeClr val="tx1"/>
+                          </a:solidFill>
+                          <a:effectLst/>
+                        </a:rPr>
+                        <a:t>60</a:t>
+                      </a:r>
+                    </a:p>
+                  </a:txBody>
+                  <a:tcPr anchor="ctr">
+                    <a:noFill/>
+                  </a:tcPr>
+                </a:tc>
+                <a:extLst>
+                  <a:ext uri="{0D108BD9-81ED-4DB2-BD59-A6C34878D82A}">
+                    <a16:rowId xmlns:a16="http://schemas.microsoft.com/office/drawing/2014/main" val="3319565494"/>
+                  </a:ext>
+                </a:extLst>
+              </a:tr>
+              <a:tr h="434942">
+                <a:tc>
+                  <a:txBody>
+                    <a:bodyPr/>
+                    <a:lstStyle/>
+                    <a:p>
+                      <a:pPr algn="ctr"/>
+                      <a:r>
+                        <a:rPr lang="en-US" sz="2000" b="0" cap="none" spc="0" dirty="0">
+                          <a:ln>
+                            <a:noFill/>
+                          </a:ln>
+                          <a:solidFill>
+                            <a:schemeClr val="tx1"/>
+                          </a:solidFill>
+                          <a:effectLst/>
+                        </a:rPr>
+                        <a:t>0</a:t>
+                      </a:r>
+                    </a:p>
+                  </a:txBody>
+                  <a:tcPr anchor="ctr">
+                    <a:noFill/>
+                  </a:tcPr>
+                </a:tc>
+                <a:tc>
+                  <a:txBody>
+                    <a:bodyPr/>
+                    <a:lstStyle/>
+                    <a:p>
+                      <a:pPr algn="ctr"/>
+                      <a:r>
+                        <a:rPr lang="en-US" sz="2000" b="0" cap="none" spc="0" dirty="0">
+                          <a:ln>
+                            <a:noFill/>
+                          </a:ln>
+                          <a:solidFill>
+                            <a:schemeClr val="tx1"/>
+                          </a:solidFill>
+                          <a:effectLst/>
+                        </a:rPr>
+                        <a:t>1</a:t>
+                      </a:r>
+                    </a:p>
+                  </a:txBody>
+                  <a:tcPr anchor="ctr">
+                    <a:noFill/>
+                  </a:tcPr>
+                </a:tc>
+                <a:tc>
+                  <a:txBody>
+                    <a:bodyPr/>
+                    <a:lstStyle/>
+                    <a:p>
+                      <a:pPr algn="ctr"/>
+                      <a:r>
+                        <a:rPr lang="en-US" sz="2000" b="0" cap="none" spc="0" dirty="0">
+                          <a:ln>
+                            <a:noFill/>
+                          </a:ln>
+                          <a:solidFill>
+                            <a:schemeClr val="tx1"/>
+                          </a:solidFill>
+                          <a:effectLst/>
+                        </a:rPr>
+                        <a:t>2</a:t>
+                      </a:r>
+                    </a:p>
+                  </a:txBody>
+                  <a:tcPr anchor="ctr">
+                    <a:noFill/>
+                  </a:tcPr>
+                </a:tc>
+                <a:tc>
+                  <a:txBody>
+                    <a:bodyPr/>
+                    <a:lstStyle/>
+                    <a:p>
+                      <a:pPr algn="ctr"/>
+                      <a:r>
+                        <a:rPr lang="en-US" sz="2000" b="0" cap="none" spc="0" dirty="0">
+                          <a:ln>
+                            <a:noFill/>
+                          </a:ln>
+                          <a:solidFill>
+                            <a:schemeClr val="tx1"/>
+                          </a:solidFill>
+                          <a:effectLst/>
+                        </a:rPr>
+                        <a:t>3</a:t>
+                      </a:r>
+                    </a:p>
+                  </a:txBody>
+                  <a:tcPr anchor="ctr">
+                    <a:noFill/>
+                  </a:tcPr>
+                </a:tc>
+                <a:extLst>
+                  <a:ext uri="{0D108BD9-81ED-4DB2-BD59-A6C34878D82A}">
+                    <a16:rowId xmlns:a16="http://schemas.microsoft.com/office/drawing/2014/main" val="1211151737"/>
+                  </a:ext>
+                </a:extLst>
+              </a:tr>
+            </a:tbl>
+          </a:graphicData>
+        </a:graphic>
+      </p:graphicFrame>
       <p:sp>
         <p:nvSpPr>
-          <p:cNvPr id="26" name="TextBox 25">
+          <p:cNvPr id="18" name="TextBox 17">
             <a:extLst>
               <a:ext uri="{FF2B5EF4-FFF2-40B4-BE49-F238E27FC236}">
-                <a16:creationId xmlns:a16="http://schemas.microsoft.com/office/drawing/2014/main" id="{2699758C-661F-8948-8927-E3C16B7B92EF}"/>
+                <a16:creationId xmlns:a16="http://schemas.microsoft.com/office/drawing/2014/main" id="{64DCC1AC-BED8-1944-BEC3-430CEA0A1171}"/>
               </a:ext>
             </a:extLst>
           </p:cNvPr>
@@ -6948,7 +7219,65 @@
         </p:nvSpPr>
         <p:spPr>
           <a:xfrm>
-            <a:off x="1563661" y="1583703"/>
+            <a:off x="978857" y="1361508"/>
+            <a:ext cx="566164" cy="400110"/>
+          </a:xfrm>
+          <a:prstGeom prst="rect">
+            <a:avLst/>
+          </a:prstGeom>
+          <a:noFill/>
+          <a:effectLst>
+            <a:glow rad="63500">
+              <a:schemeClr val="accent2">
+                <a:satMod val="175000"/>
+                <a:alpha val="0"/>
+              </a:schemeClr>
+            </a:glow>
+          </a:effectLst>
+        </p:spPr>
+        <p:txBody>
+          <a:bodyPr wrap="square" rtlCol="0">
+            <a:spAutoFit/>
+          </a:bodyPr>
+          <a:lstStyle>
+            <a:defPPr>
+              <a:defRPr lang="en-US"/>
+            </a:defPPr>
+            <a:lvl1pPr>
+              <a:defRPr sz="2000">
+                <a:solidFill>
+                  <a:schemeClr val="bg2"/>
+                </a:solidFill>
+              </a:defRPr>
+            </a:lvl1pPr>
+          </a:lstStyle>
+          <a:p>
+            <a:r>
+              <a:rPr lang="en-US" dirty="0">
+                <a:solidFill>
+                  <a:schemeClr val="tx1"/>
+                </a:solidFill>
+              </a:rPr>
+              <a:t>low</a:t>
+            </a:r>
+          </a:p>
+        </p:txBody>
+      </p:sp>
+      <p:sp>
+        <p:nvSpPr>
+          <p:cNvPr id="19" name="TextBox 18">
+            <a:extLst>
+              <a:ext uri="{FF2B5EF4-FFF2-40B4-BE49-F238E27FC236}">
+                <a16:creationId xmlns:a16="http://schemas.microsoft.com/office/drawing/2014/main" id="{417A6721-AEFE-79AF-3D8C-04DF4A375D88}"/>
+              </a:ext>
+            </a:extLst>
+          </p:cNvPr>
+          <p:cNvSpPr txBox="1"/>
+          <p:nvPr/>
+        </p:nvSpPr>
+        <p:spPr>
+          <a:xfrm>
+            <a:off x="3794077" y="1361407"/>
             <a:ext cx="664422" cy="400110"/>
           </a:xfrm>
           <a:prstGeom prst="rect">
@@ -6987,6 +7316,64 @@
                   <a:schemeClr val="tx1"/>
                 </a:solidFill>
               </a:rPr>
+              <a:t>high</a:t>
+            </a:r>
+          </a:p>
+        </p:txBody>
+      </p:sp>
+      <p:sp>
+        <p:nvSpPr>
+          <p:cNvPr id="25" name="TextBox 24">
+            <a:extLst>
+              <a:ext uri="{FF2B5EF4-FFF2-40B4-BE49-F238E27FC236}">
+                <a16:creationId xmlns:a16="http://schemas.microsoft.com/office/drawing/2014/main" id="{5360B744-30C5-729A-3597-589A7B75746E}"/>
+              </a:ext>
+            </a:extLst>
+          </p:cNvPr>
+          <p:cNvSpPr txBox="1"/>
+          <p:nvPr/>
+        </p:nvSpPr>
+        <p:spPr>
+          <a:xfrm>
+            <a:off x="1869015" y="1361407"/>
+            <a:ext cx="664422" cy="400110"/>
+          </a:xfrm>
+          <a:prstGeom prst="rect">
+            <a:avLst/>
+          </a:prstGeom>
+          <a:noFill/>
+          <a:effectLst>
+            <a:glow rad="63500">
+              <a:schemeClr val="accent2">
+                <a:satMod val="175000"/>
+                <a:alpha val="0"/>
+              </a:schemeClr>
+            </a:glow>
+          </a:effectLst>
+        </p:spPr>
+        <p:txBody>
+          <a:bodyPr wrap="square" rtlCol="0">
+            <a:spAutoFit/>
+          </a:bodyPr>
+          <a:lstStyle>
+            <a:defPPr>
+              <a:defRPr lang="en-US"/>
+            </a:defPPr>
+            <a:lvl1pPr>
+              <a:defRPr sz="2000">
+                <a:solidFill>
+                  <a:schemeClr val="bg2"/>
+                </a:solidFill>
+              </a:defRPr>
+            </a:lvl1pPr>
+          </a:lstStyle>
+          <a:p>
+            <a:r>
+              <a:rPr lang="en-US" dirty="0">
+                <a:solidFill>
+                  <a:schemeClr val="tx1"/>
+                </a:solidFill>
+              </a:rPr>
               <a:t>mid</a:t>
             </a:r>
           </a:p>
@@ -6994,21 +7381,27 @@
       </p:sp>
       <p:graphicFrame>
         <p:nvGraphicFramePr>
-          <p:cNvPr id="23" name="Table 2">
+          <p:cNvPr id="28" name="Table 2">
             <a:extLst>
               <a:ext uri="{FF2B5EF4-FFF2-40B4-BE49-F238E27FC236}">
-                <a16:creationId xmlns:a16="http://schemas.microsoft.com/office/drawing/2014/main" id="{46E552E2-A72D-D446-8854-95706772E26D}"/>
+                <a16:creationId xmlns:a16="http://schemas.microsoft.com/office/drawing/2014/main" id="{26B5F94F-DDA2-4EC3-1077-B11DA74AD9EB}"/>
               </a:ext>
             </a:extLst>
           </p:cNvPr>
           <p:cNvGraphicFramePr>
             <a:graphicFrameLocks noGrp="1"/>
           </p:cNvGraphicFramePr>
-          <p:nvPr/>
+          <p:nvPr>
+            <p:extLst>
+              <p:ext uri="{D42A27DB-BD31-4B8C-83A1-F6EECF244321}">
+                <p14:modId xmlns:p14="http://schemas.microsoft.com/office/powerpoint/2010/main" val="2448866091"/>
+              </p:ext>
+            </p:extLst>
+          </p:nvPr>
         </p:nvGraphicFramePr>
         <p:xfrm>
-          <a:off x="1317538" y="261378"/>
-          <a:ext cx="1821090" cy="936729"/>
+          <a:off x="726795" y="2444555"/>
+          <a:ext cx="3802252" cy="936729"/>
         </p:xfrm>
         <a:graphic>
           <a:graphicData uri="http://schemas.openxmlformats.org/drawingml/2006/table">
@@ -7032,6 +7425,20 @@
                     </a:ext>
                   </a:extLst>
                 </a:gridCol>
+                <a:gridCol w="982530">
+                  <a:extLst>
+                    <a:ext uri="{9D8B030D-6E8A-4147-A177-3AD203B41FA5}">
+                      <a16:colId xmlns:a16="http://schemas.microsoft.com/office/drawing/2014/main" val="621528173"/>
+                    </a:ext>
+                  </a:extLst>
+                </a:gridCol>
+                <a:gridCol w="998632">
+                  <a:extLst>
+                    <a:ext uri="{9D8B030D-6E8A-4147-A177-3AD203B41FA5}">
+                      <a16:colId xmlns:a16="http://schemas.microsoft.com/office/drawing/2014/main" val="3612687831"/>
+                    </a:ext>
+                  </a:extLst>
+                </a:gridCol>
               </a:tblGrid>
               <a:tr h="501787">
                 <a:tc>
@@ -7050,6 +7457,54 @@
                           </a:solidFill>
                           <a:effectLst/>
                         </a:rPr>
+                        <a:t>10</a:t>
+                      </a:r>
+                    </a:p>
+                  </a:txBody>
+                  <a:tcPr anchor="ctr">
+                    <a:noFill/>
+                  </a:tcPr>
+                </a:tc>
+                <a:tc>
+                  <a:txBody>
+                    <a:bodyPr/>
+                    <a:lstStyle/>
+                    <a:p>
+                      <a:pPr algn="ctr"/>
+                      <a:r>
+                        <a:rPr lang="en-US" sz="2000" b="1" cap="none" spc="0" dirty="0">
+                          <a:ln>
+                            <a:noFill/>
+                          </a:ln>
+                          <a:solidFill>
+                            <a:schemeClr val="tx1"/>
+                          </a:solidFill>
+                          <a:effectLst/>
+                        </a:rPr>
+                        <a:t>30</a:t>
+                      </a:r>
+                    </a:p>
+                  </a:txBody>
+                  <a:tcPr anchor="ctr">
+                    <a:noFill/>
+                  </a:tcPr>
+                </a:tc>
+                <a:tc>
+                  <a:txBody>
+                    <a:bodyPr/>
+                    <a:lstStyle/>
+                    <a:p>
+                      <a:pPr algn="ctr"/>
+                      <a:r>
+                        <a:rPr lang="en-US" sz="2000" b="1" cap="none" spc="0" dirty="0">
+                          <a:ln>
+                            <a:noFill/>
+                          </a:ln>
+                          <a:solidFill>
+                            <a:schemeClr val="tx1"/>
+                          </a:solidFill>
+                          <a:effectLst/>
+                        </a:rPr>
                         <a:t>40</a:t>
                       </a:r>
                     </a:p>
@@ -7074,7 +7529,7 @@
                           </a:solidFill>
                           <a:effectLst/>
                         </a:rPr>
-                        <a:t>30</a:t>
+                        <a:t>60</a:t>
                       </a:r>
                     </a:p>
                   </a:txBody>
@@ -7130,6 +7585,54 @@
                           <a:effectLst/>
                         </a:rPr>
                         <a:t>1</a:t>
+                      </a:r>
+                    </a:p>
+                  </a:txBody>
+                  <a:tcPr anchor="ctr">
+                    <a:noFill/>
+                  </a:tcPr>
+                </a:tc>
+                <a:tc>
+                  <a:txBody>
+                    <a:bodyPr/>
+                    <a:lstStyle/>
+                    <a:p>
+                      <a:pPr algn="ctr"/>
+                      <a:r>
+                        <a:rPr lang="en-US" sz="2000" b="0" cap="none" spc="0" dirty="0">
+                          <a:ln>
+                            <a:noFill/>
+                          </a:ln>
+                          <a:solidFill>
+                            <a:schemeClr val="tx1"/>
+                          </a:solidFill>
+                          <a:effectLst/>
+                        </a:rPr>
+                        <a:t>2</a:t>
+                      </a:r>
+                    </a:p>
+                  </a:txBody>
+                  <a:tcPr anchor="ctr">
+                    <a:noFill/>
+                  </a:tcPr>
+                </a:tc>
+                <a:tc>
+                  <a:txBody>
+                    <a:bodyPr/>
+                    <a:lstStyle/>
+                    <a:p>
+                      <a:pPr algn="ctr"/>
+                      <a:r>
+                        <a:rPr lang="en-US" sz="2000" b="0" cap="none" spc="0" dirty="0">
+                          <a:ln>
+                            <a:noFill/>
+                          </a:ln>
+                          <a:solidFill>
+                            <a:schemeClr val="tx1"/>
+                          </a:solidFill>
+                          <a:effectLst/>
+                        </a:rPr>
+                        <a:t>3</a:t>
                       </a:r>
                     </a:p>
                   </a:txBody>
@@ -7149,10 +7652,10 @@
       </p:graphicFrame>
       <p:sp>
         <p:nvSpPr>
-          <p:cNvPr id="24" name="TextBox 23">
+          <p:cNvPr id="30" name="TextBox 29">
             <a:extLst>
               <a:ext uri="{FF2B5EF4-FFF2-40B4-BE49-F238E27FC236}">
-                <a16:creationId xmlns:a16="http://schemas.microsoft.com/office/drawing/2014/main" id="{6070B7B0-9D1E-7A45-8D28-23BD67E4A824}"/>
+                <a16:creationId xmlns:a16="http://schemas.microsoft.com/office/drawing/2014/main" id="{B31A045F-46C3-364D-0BFF-476D919406CF}"/>
               </a:ext>
             </a:extLst>
           </p:cNvPr>
@@ -7161,7 +7664,7 @@
         </p:nvSpPr>
         <p:spPr>
           <a:xfrm>
-            <a:off x="1569600" y="1261918"/>
+            <a:off x="978857" y="3445095"/>
             <a:ext cx="566164" cy="400110"/>
           </a:xfrm>
           <a:prstGeom prst="rect">
@@ -7207,10 +7710,10 @@
       </p:sp>
       <p:sp>
         <p:nvSpPr>
-          <p:cNvPr id="27" name="TextBox 26">
+          <p:cNvPr id="31" name="TextBox 30">
             <a:extLst>
               <a:ext uri="{FF2B5EF4-FFF2-40B4-BE49-F238E27FC236}">
-                <a16:creationId xmlns:a16="http://schemas.microsoft.com/office/drawing/2014/main" id="{AFC86B19-06CB-444C-9672-6EFEEE03D877}"/>
+                <a16:creationId xmlns:a16="http://schemas.microsoft.com/office/drawing/2014/main" id="{6BCF4848-7E37-4BC3-6D17-EF2E847109FD}"/>
               </a:ext>
             </a:extLst>
           </p:cNvPr>
@@ -7219,7 +7722,7 @@
         </p:nvSpPr>
         <p:spPr>
           <a:xfrm>
-            <a:off x="2459758" y="1274584"/>
+            <a:off x="3794077" y="3444994"/>
             <a:ext cx="664422" cy="400110"/>
           </a:xfrm>
           <a:prstGeom prst="rect">
@@ -7263,167 +7766,12 @@
           </a:p>
         </p:txBody>
       </p:sp>
-      <p:graphicFrame>
-        <p:nvGraphicFramePr>
-          <p:cNvPr id="20" name="Table 2">
+      <p:sp>
+        <p:nvSpPr>
+          <p:cNvPr id="35" name="TextBox 34">
             <a:extLst>
               <a:ext uri="{FF2B5EF4-FFF2-40B4-BE49-F238E27FC236}">
-                <a16:creationId xmlns:a16="http://schemas.microsoft.com/office/drawing/2014/main" id="{FEB998F2-7D3A-854C-91A8-B855BEBE26EB}"/>
-              </a:ext>
-            </a:extLst>
-          </p:cNvPr>
-          <p:cNvGraphicFramePr>
-            <a:graphicFrameLocks noGrp="1"/>
-          </p:cNvGraphicFramePr>
-          <p:nvPr/>
-        </p:nvGraphicFramePr>
-        <p:xfrm>
-          <a:off x="1317538" y="2227758"/>
-          <a:ext cx="1821090" cy="936729"/>
-        </p:xfrm>
-        <a:graphic>
-          <a:graphicData uri="http://schemas.openxmlformats.org/drawingml/2006/table">
-            <a:tbl>
-              <a:tblPr>
-                <a:effectLst/>
-                <a:tableStyleId>{5C22544A-7EE6-4342-B048-85BDC9FD1C3A}</a:tableStyleId>
-              </a:tblPr>
-              <a:tblGrid>
-                <a:gridCol w="896624">
-                  <a:extLst>
-                    <a:ext uri="{9D8B030D-6E8A-4147-A177-3AD203B41FA5}">
-                      <a16:colId xmlns:a16="http://schemas.microsoft.com/office/drawing/2014/main" val="903445238"/>
-                    </a:ext>
-                  </a:extLst>
-                </a:gridCol>
-                <a:gridCol w="924466">
-                  <a:extLst>
-                    <a:ext uri="{9D8B030D-6E8A-4147-A177-3AD203B41FA5}">
-                      <a16:colId xmlns:a16="http://schemas.microsoft.com/office/drawing/2014/main" val="1986698563"/>
-                    </a:ext>
-                  </a:extLst>
-                </a:gridCol>
-              </a:tblGrid>
-              <a:tr h="501787">
-                <a:tc>
-                  <a:txBody>
-                    <a:bodyPr/>
-                    <a:lstStyle/>
-                    <a:p>
-                      <a:pPr algn="ctr"/>
-                      <a:r>
-                        <a:rPr lang="en-US" sz="2000" b="1" cap="none" spc="0" dirty="0">
-                          <a:ln>
-                            <a:noFill/>
-                          </a:ln>
-                          <a:solidFill>
-                            <a:schemeClr val="tx1"/>
-                          </a:solidFill>
-                          <a:effectLst/>
-                        </a:rPr>
-                        <a:t>30</a:t>
-                      </a:r>
-                    </a:p>
-                  </a:txBody>
-                  <a:tcPr anchor="ctr">
-                    <a:noFill/>
-                  </a:tcPr>
-                </a:tc>
-                <a:tc>
-                  <a:txBody>
-                    <a:bodyPr/>
-                    <a:lstStyle/>
-                    <a:p>
-                      <a:pPr algn="ctr"/>
-                      <a:r>
-                        <a:rPr lang="en-US" sz="2000" b="1" cap="none" spc="0" dirty="0">
-                          <a:ln>
-                            <a:noFill/>
-                          </a:ln>
-                          <a:solidFill>
-                            <a:schemeClr val="tx1"/>
-                          </a:solidFill>
-                          <a:effectLst/>
-                        </a:rPr>
-                        <a:t>40</a:t>
-                      </a:r>
-                    </a:p>
-                  </a:txBody>
-                  <a:tcPr anchor="ctr">
-                    <a:noFill/>
-                  </a:tcPr>
-                </a:tc>
-                <a:extLst>
-                  <a:ext uri="{0D108BD9-81ED-4DB2-BD59-A6C34878D82A}">
-                    <a16:rowId xmlns:a16="http://schemas.microsoft.com/office/drawing/2014/main" val="3319565494"/>
-                  </a:ext>
-                </a:extLst>
-              </a:tr>
-              <a:tr h="434942">
-                <a:tc>
-                  <a:txBody>
-                    <a:bodyPr/>
-                    <a:lstStyle/>
-                    <a:p>
-                      <a:pPr algn="ctr"/>
-                      <a:r>
-                        <a:rPr lang="en-US" sz="2000" b="0" cap="none" spc="0" dirty="0">
-                          <a:ln>
-                            <a:noFill/>
-                          </a:ln>
-                          <a:solidFill>
-                            <a:schemeClr val="tx1"/>
-                          </a:solidFill>
-                          <a:effectLst/>
-                        </a:rPr>
-                        <a:t>0</a:t>
-                      </a:r>
-                    </a:p>
-                  </a:txBody>
-                  <a:tcPr anchor="ctr">
-                    <a:noFill/>
-                  </a:tcPr>
-                </a:tc>
-                <a:tc>
-                  <a:txBody>
-                    <a:bodyPr/>
-                    <a:lstStyle/>
-                    <a:p>
-                      <a:pPr algn="ctr"/>
-                      <a:r>
-                        <a:rPr lang="en-US" sz="2000" b="0" cap="none" spc="0" dirty="0">
-                          <a:ln>
-                            <a:noFill/>
-                          </a:ln>
-                          <a:solidFill>
-                            <a:schemeClr val="tx1"/>
-                          </a:solidFill>
-                          <a:effectLst/>
-                        </a:rPr>
-                        <a:t>1</a:t>
-                      </a:r>
-                    </a:p>
-                  </a:txBody>
-                  <a:tcPr anchor="ctr">
-                    <a:noFill/>
-                  </a:tcPr>
-                </a:tc>
-                <a:extLst>
-                  <a:ext uri="{0D108BD9-81ED-4DB2-BD59-A6C34878D82A}">
-                    <a16:rowId xmlns:a16="http://schemas.microsoft.com/office/drawing/2014/main" val="1211151737"/>
-                  </a:ext>
-                </a:extLst>
-              </a:tr>
-            </a:tbl>
-          </a:graphicData>
-        </a:graphic>
-      </p:graphicFrame>
-      <p:sp>
-        <p:nvSpPr>
-          <p:cNvPr id="21" name="TextBox 20">
-            <a:extLst>
-              <a:ext uri="{FF2B5EF4-FFF2-40B4-BE49-F238E27FC236}">
-                <a16:creationId xmlns:a16="http://schemas.microsoft.com/office/drawing/2014/main" id="{7ED59009-C76A-9949-9B47-023A422EB5E4}"/>
+                <a16:creationId xmlns:a16="http://schemas.microsoft.com/office/drawing/2014/main" id="{3466C4EC-C640-8A23-FF21-3F0392CB8FFA}"/>
               </a:ext>
             </a:extLst>
           </p:cNvPr>
@@ -7432,220 +7780,7 @@
         </p:nvSpPr>
         <p:spPr>
           <a:xfrm>
-            <a:off x="3756866" y="2496067"/>
-            <a:ext cx="3379033" cy="707886"/>
-          </a:xfrm>
-          <a:prstGeom prst="rect">
-            <a:avLst/>
-          </a:prstGeom>
-          <a:noFill/>
-          <a:effectLst>
-            <a:glow rad="63500">
-              <a:schemeClr val="accent2">
-                <a:satMod val="175000"/>
-                <a:alpha val="0"/>
-              </a:schemeClr>
-            </a:glow>
-          </a:effectLst>
-        </p:spPr>
-        <p:txBody>
-          <a:bodyPr wrap="square" rtlCol="0">
-            <a:spAutoFit/>
-          </a:bodyPr>
-          <a:lstStyle>
-            <a:defPPr>
-              <a:defRPr lang="en-US"/>
-            </a:defPPr>
-            <a:lvl1pPr>
-              <a:defRPr sz="2000">
-                <a:solidFill>
-                  <a:schemeClr val="bg2"/>
-                </a:solidFill>
-              </a:defRPr>
-            </a:lvl1pPr>
-          </a:lstStyle>
-          <a:p>
-            <a:r>
-              <a:rPr lang="en-US" dirty="0">
-                <a:solidFill>
-                  <a:schemeClr val="tx1"/>
-                </a:solidFill>
-              </a:rPr>
-              <a:t>These two elements are sorted</a:t>
-            </a:r>
-          </a:p>
-        </p:txBody>
-      </p:sp>
-      <p:graphicFrame>
-        <p:nvGraphicFramePr>
-          <p:cNvPr id="29" name="Table 2">
-            <a:extLst>
-              <a:ext uri="{FF2B5EF4-FFF2-40B4-BE49-F238E27FC236}">
-                <a16:creationId xmlns:a16="http://schemas.microsoft.com/office/drawing/2014/main" id="{1A3CA50C-E07F-D04D-81DB-D50326FB4230}"/>
-              </a:ext>
-            </a:extLst>
-          </p:cNvPr>
-          <p:cNvGraphicFramePr>
-            <a:graphicFrameLocks noGrp="1"/>
-          </p:cNvGraphicFramePr>
-          <p:nvPr/>
-        </p:nvGraphicFramePr>
-        <p:xfrm>
-          <a:off x="1317538" y="3693514"/>
-          <a:ext cx="1981162" cy="936729"/>
-        </p:xfrm>
-        <a:graphic>
-          <a:graphicData uri="http://schemas.openxmlformats.org/drawingml/2006/table">
-            <a:tbl>
-              <a:tblPr>
-                <a:effectLst/>
-                <a:tableStyleId>{5C22544A-7EE6-4342-B048-85BDC9FD1C3A}</a:tableStyleId>
-              </a:tblPr>
-              <a:tblGrid>
-                <a:gridCol w="982530">
-                  <a:extLst>
-                    <a:ext uri="{9D8B030D-6E8A-4147-A177-3AD203B41FA5}">
-                      <a16:colId xmlns:a16="http://schemas.microsoft.com/office/drawing/2014/main" val="621528173"/>
-                    </a:ext>
-                  </a:extLst>
-                </a:gridCol>
-                <a:gridCol w="998632">
-                  <a:extLst>
-                    <a:ext uri="{9D8B030D-6E8A-4147-A177-3AD203B41FA5}">
-                      <a16:colId xmlns:a16="http://schemas.microsoft.com/office/drawing/2014/main" val="3612687831"/>
-                    </a:ext>
-                  </a:extLst>
-                </a:gridCol>
-              </a:tblGrid>
-              <a:tr h="501787">
-                <a:tc>
-                  <a:txBody>
-                    <a:bodyPr/>
-                    <a:lstStyle/>
-                    <a:p>
-                      <a:pPr algn="ctr"/>
-                      <a:r>
-                        <a:rPr lang="en-US" sz="2000" b="1" cap="none" spc="0" dirty="0">
-                          <a:ln>
-                            <a:noFill/>
-                          </a:ln>
-                          <a:solidFill>
-                            <a:schemeClr val="tx1"/>
-                          </a:solidFill>
-                          <a:effectLst/>
-                        </a:rPr>
-                        <a:t>60</a:t>
-                      </a:r>
-                    </a:p>
-                  </a:txBody>
-                  <a:tcPr anchor="ctr">
-                    <a:noFill/>
-                  </a:tcPr>
-                </a:tc>
-                <a:tc>
-                  <a:txBody>
-                    <a:bodyPr/>
-                    <a:lstStyle/>
-                    <a:p>
-                      <a:pPr algn="ctr"/>
-                      <a:r>
-                        <a:rPr lang="en-US" sz="2000" b="1" cap="none" spc="0" dirty="0">
-                          <a:ln>
-                            <a:noFill/>
-                          </a:ln>
-                          <a:solidFill>
-                            <a:schemeClr val="tx1"/>
-                          </a:solidFill>
-                          <a:effectLst/>
-                        </a:rPr>
-                        <a:t>10</a:t>
-                      </a:r>
-                    </a:p>
-                  </a:txBody>
-                  <a:tcPr anchor="ctr">
-                    <a:noFill/>
-                  </a:tcPr>
-                </a:tc>
-                <a:extLst>
-                  <a:ext uri="{0D108BD9-81ED-4DB2-BD59-A6C34878D82A}">
-                    <a16:rowId xmlns:a16="http://schemas.microsoft.com/office/drawing/2014/main" val="3319565494"/>
-                  </a:ext>
-                </a:extLst>
-              </a:tr>
-              <a:tr h="434942">
-                <a:tc>
-                  <a:txBody>
-                    <a:bodyPr/>
-                    <a:lstStyle/>
-                    <a:p>
-                      <a:pPr algn="ctr"/>
-                      <a:r>
-                        <a:rPr lang="en-US" sz="2000" b="0" cap="none" spc="0" dirty="0">
-                          <a:ln>
-                            <a:noFill/>
-                          </a:ln>
-                          <a:solidFill>
-                            <a:schemeClr val="tx1"/>
-                          </a:solidFill>
-                          <a:effectLst/>
-                        </a:rPr>
-                        <a:t>2</a:t>
-                      </a:r>
-                    </a:p>
-                  </a:txBody>
-                  <a:tcPr anchor="ctr">
-                    <a:noFill/>
-                  </a:tcPr>
-                </a:tc>
-                <a:tc>
-                  <a:txBody>
-                    <a:bodyPr/>
-                    <a:lstStyle/>
-                    <a:p>
-                      <a:pPr algn="ctr"/>
-                      <a:r>
-                        <a:rPr lang="en-US" sz="2000" b="0" cap="none" spc="0" dirty="0">
-                          <a:ln>
-                            <a:noFill/>
-                          </a:ln>
-                          <a:solidFill>
-                            <a:schemeClr val="tx1"/>
-                          </a:solidFill>
-                          <a:effectLst/>
-                        </a:rPr>
-                        <a:t>3</a:t>
-                      </a:r>
-                    </a:p>
-                  </a:txBody>
-                  <a:tcPr anchor="ctr">
-                    <a:noFill/>
-                  </a:tcPr>
-                </a:tc>
-                <a:extLst>
-                  <a:ext uri="{0D108BD9-81ED-4DB2-BD59-A6C34878D82A}">
-                    <a16:rowId xmlns:a16="http://schemas.microsoft.com/office/drawing/2014/main" val="1211151737"/>
-                  </a:ext>
-                </a:extLst>
-              </a:tr>
-            </a:tbl>
-          </a:graphicData>
-        </a:graphic>
-      </p:graphicFrame>
-      <p:sp>
-        <p:nvSpPr>
-          <p:cNvPr id="32" name="TextBox 31">
-            <a:extLst>
-              <a:ext uri="{FF2B5EF4-FFF2-40B4-BE49-F238E27FC236}">
-                <a16:creationId xmlns:a16="http://schemas.microsoft.com/office/drawing/2014/main" id="{BAE62D70-5F26-4848-B924-F0D2018A5446}"/>
-              </a:ext>
-            </a:extLst>
-          </p:cNvPr>
-          <p:cNvSpPr txBox="1"/>
-          <p:nvPr/>
-        </p:nvSpPr>
-        <p:spPr>
-          <a:xfrm>
-            <a:off x="1563661" y="4959215"/>
+            <a:off x="1869015" y="3444994"/>
             <a:ext cx="664422" cy="400110"/>
           </a:xfrm>
           <a:prstGeom prst="rect">
@@ -7685,335 +7820,6 @@
                 </a:solidFill>
               </a:rPr>
               <a:t>mid</a:t>
-            </a:r>
-          </a:p>
-        </p:txBody>
-      </p:sp>
-      <p:sp>
-        <p:nvSpPr>
-          <p:cNvPr id="33" name="TextBox 32">
-            <a:extLst>
-              <a:ext uri="{FF2B5EF4-FFF2-40B4-BE49-F238E27FC236}">
-                <a16:creationId xmlns:a16="http://schemas.microsoft.com/office/drawing/2014/main" id="{CFA7A58D-6532-B841-86FB-C0F5E2381528}"/>
-              </a:ext>
-            </a:extLst>
-          </p:cNvPr>
-          <p:cNvSpPr txBox="1"/>
-          <p:nvPr/>
-        </p:nvSpPr>
-        <p:spPr>
-          <a:xfrm>
-            <a:off x="1569600" y="4671379"/>
-            <a:ext cx="566164" cy="400110"/>
-          </a:xfrm>
-          <a:prstGeom prst="rect">
-            <a:avLst/>
-          </a:prstGeom>
-          <a:noFill/>
-          <a:effectLst>
-            <a:glow rad="63500">
-              <a:schemeClr val="accent2">
-                <a:satMod val="175000"/>
-                <a:alpha val="0"/>
-              </a:schemeClr>
-            </a:glow>
-          </a:effectLst>
-        </p:spPr>
-        <p:txBody>
-          <a:bodyPr wrap="square" rtlCol="0">
-            <a:spAutoFit/>
-          </a:bodyPr>
-          <a:lstStyle>
-            <a:defPPr>
-              <a:defRPr lang="en-US"/>
-            </a:defPPr>
-            <a:lvl1pPr>
-              <a:defRPr sz="2000">
-                <a:solidFill>
-                  <a:schemeClr val="bg2"/>
-                </a:solidFill>
-              </a:defRPr>
-            </a:lvl1pPr>
-          </a:lstStyle>
-          <a:p>
-            <a:r>
-              <a:rPr lang="en-US" dirty="0">
-                <a:solidFill>
-                  <a:schemeClr val="tx1"/>
-                </a:solidFill>
-              </a:rPr>
-              <a:t>low</a:t>
-            </a:r>
-          </a:p>
-        </p:txBody>
-      </p:sp>
-      <p:sp>
-        <p:nvSpPr>
-          <p:cNvPr id="34" name="TextBox 33">
-            <a:extLst>
-              <a:ext uri="{FF2B5EF4-FFF2-40B4-BE49-F238E27FC236}">
-                <a16:creationId xmlns:a16="http://schemas.microsoft.com/office/drawing/2014/main" id="{10A7D72B-AB4E-AA47-A8AC-8A2CE8DE0095}"/>
-              </a:ext>
-            </a:extLst>
-          </p:cNvPr>
-          <p:cNvSpPr txBox="1"/>
-          <p:nvPr/>
-        </p:nvSpPr>
-        <p:spPr>
-          <a:xfrm>
-            <a:off x="2459758" y="4684045"/>
-            <a:ext cx="664422" cy="400110"/>
-          </a:xfrm>
-          <a:prstGeom prst="rect">
-            <a:avLst/>
-          </a:prstGeom>
-          <a:noFill/>
-          <a:effectLst>
-            <a:glow rad="63500">
-              <a:schemeClr val="accent2">
-                <a:satMod val="175000"/>
-                <a:alpha val="0"/>
-              </a:schemeClr>
-            </a:glow>
-          </a:effectLst>
-        </p:spPr>
-        <p:txBody>
-          <a:bodyPr wrap="square" rtlCol="0">
-            <a:spAutoFit/>
-          </a:bodyPr>
-          <a:lstStyle>
-            <a:defPPr>
-              <a:defRPr lang="en-US"/>
-            </a:defPPr>
-            <a:lvl1pPr>
-              <a:defRPr sz="2000">
-                <a:solidFill>
-                  <a:schemeClr val="bg2"/>
-                </a:solidFill>
-              </a:defRPr>
-            </a:lvl1pPr>
-          </a:lstStyle>
-          <a:p>
-            <a:r>
-              <a:rPr lang="en-US" dirty="0">
-                <a:solidFill>
-                  <a:schemeClr val="tx1"/>
-                </a:solidFill>
-              </a:rPr>
-              <a:t>high</a:t>
-            </a:r>
-          </a:p>
-        </p:txBody>
-      </p:sp>
-      <p:graphicFrame>
-        <p:nvGraphicFramePr>
-          <p:cNvPr id="37" name="Table 2">
-            <a:extLst>
-              <a:ext uri="{FF2B5EF4-FFF2-40B4-BE49-F238E27FC236}">
-                <a16:creationId xmlns:a16="http://schemas.microsoft.com/office/drawing/2014/main" id="{C4C321EA-E13E-574F-8F00-0EDEAFE0A44F}"/>
-              </a:ext>
-            </a:extLst>
-          </p:cNvPr>
-          <p:cNvGraphicFramePr>
-            <a:graphicFrameLocks noGrp="1"/>
-          </p:cNvGraphicFramePr>
-          <p:nvPr/>
-        </p:nvGraphicFramePr>
-        <p:xfrm>
-          <a:off x="1317538" y="5571247"/>
-          <a:ext cx="1981162" cy="936729"/>
-        </p:xfrm>
-        <a:graphic>
-          <a:graphicData uri="http://schemas.openxmlformats.org/drawingml/2006/table">
-            <a:tbl>
-              <a:tblPr>
-                <a:effectLst/>
-                <a:tableStyleId>{5C22544A-7EE6-4342-B048-85BDC9FD1C3A}</a:tableStyleId>
-              </a:tblPr>
-              <a:tblGrid>
-                <a:gridCol w="982530">
-                  <a:extLst>
-                    <a:ext uri="{9D8B030D-6E8A-4147-A177-3AD203B41FA5}">
-                      <a16:colId xmlns:a16="http://schemas.microsoft.com/office/drawing/2014/main" val="621528173"/>
-                    </a:ext>
-                  </a:extLst>
-                </a:gridCol>
-                <a:gridCol w="998632">
-                  <a:extLst>
-                    <a:ext uri="{9D8B030D-6E8A-4147-A177-3AD203B41FA5}">
-                      <a16:colId xmlns:a16="http://schemas.microsoft.com/office/drawing/2014/main" val="3612687831"/>
-                    </a:ext>
-                  </a:extLst>
-                </a:gridCol>
-              </a:tblGrid>
-              <a:tr h="501787">
-                <a:tc>
-                  <a:txBody>
-                    <a:bodyPr/>
-                    <a:lstStyle/>
-                    <a:p>
-                      <a:pPr algn="ctr"/>
-                      <a:r>
-                        <a:rPr lang="en-US" sz="2000" b="1" cap="none" spc="0" dirty="0">
-                          <a:ln>
-                            <a:noFill/>
-                          </a:ln>
-                          <a:solidFill>
-                            <a:schemeClr val="tx1"/>
-                          </a:solidFill>
-                          <a:effectLst/>
-                        </a:rPr>
-                        <a:t>10</a:t>
-                      </a:r>
-                    </a:p>
-                  </a:txBody>
-                  <a:tcPr anchor="ctr">
-                    <a:noFill/>
-                  </a:tcPr>
-                </a:tc>
-                <a:tc>
-                  <a:txBody>
-                    <a:bodyPr/>
-                    <a:lstStyle/>
-                    <a:p>
-                      <a:pPr algn="ctr"/>
-                      <a:r>
-                        <a:rPr lang="en-US" sz="2000" b="1" cap="none" spc="0" dirty="0">
-                          <a:ln>
-                            <a:noFill/>
-                          </a:ln>
-                          <a:solidFill>
-                            <a:schemeClr val="tx1"/>
-                          </a:solidFill>
-                          <a:effectLst/>
-                        </a:rPr>
-                        <a:t>60</a:t>
-                      </a:r>
-                    </a:p>
-                  </a:txBody>
-                  <a:tcPr anchor="ctr">
-                    <a:noFill/>
-                  </a:tcPr>
-                </a:tc>
-                <a:extLst>
-                  <a:ext uri="{0D108BD9-81ED-4DB2-BD59-A6C34878D82A}">
-                    <a16:rowId xmlns:a16="http://schemas.microsoft.com/office/drawing/2014/main" val="3319565494"/>
-                  </a:ext>
-                </a:extLst>
-              </a:tr>
-              <a:tr h="434942">
-                <a:tc>
-                  <a:txBody>
-                    <a:bodyPr/>
-                    <a:lstStyle/>
-                    <a:p>
-                      <a:pPr algn="ctr"/>
-                      <a:r>
-                        <a:rPr lang="en-US" sz="2000" b="0" cap="none" spc="0" dirty="0">
-                          <a:ln>
-                            <a:noFill/>
-                          </a:ln>
-                          <a:solidFill>
-                            <a:schemeClr val="tx1"/>
-                          </a:solidFill>
-                          <a:effectLst/>
-                        </a:rPr>
-                        <a:t>2</a:t>
-                      </a:r>
-                    </a:p>
-                  </a:txBody>
-                  <a:tcPr anchor="ctr">
-                    <a:noFill/>
-                  </a:tcPr>
-                </a:tc>
-                <a:tc>
-                  <a:txBody>
-                    <a:bodyPr/>
-                    <a:lstStyle/>
-                    <a:p>
-                      <a:pPr algn="ctr"/>
-                      <a:r>
-                        <a:rPr lang="en-US" sz="2000" b="0" cap="none" spc="0" dirty="0">
-                          <a:ln>
-                            <a:noFill/>
-                          </a:ln>
-                          <a:solidFill>
-                            <a:schemeClr val="tx1"/>
-                          </a:solidFill>
-                          <a:effectLst/>
-                        </a:rPr>
-                        <a:t>3</a:t>
-                      </a:r>
-                    </a:p>
-                  </a:txBody>
-                  <a:tcPr anchor="ctr">
-                    <a:noFill/>
-                  </a:tcPr>
-                </a:tc>
-                <a:extLst>
-                  <a:ext uri="{0D108BD9-81ED-4DB2-BD59-A6C34878D82A}">
-                    <a16:rowId xmlns:a16="http://schemas.microsoft.com/office/drawing/2014/main" val="1211151737"/>
-                  </a:ext>
-                </a:extLst>
-              </a:tr>
-            </a:tbl>
-          </a:graphicData>
-        </a:graphic>
-      </p:graphicFrame>
-      <p:sp>
-        <p:nvSpPr>
-          <p:cNvPr id="38" name="TextBox 37">
-            <a:extLst>
-              <a:ext uri="{FF2B5EF4-FFF2-40B4-BE49-F238E27FC236}">
-                <a16:creationId xmlns:a16="http://schemas.microsoft.com/office/drawing/2014/main" id="{605A5F14-7DE7-D343-9EAD-9C6AF5CAA559}"/>
-              </a:ext>
-            </a:extLst>
-          </p:cNvPr>
-          <p:cNvSpPr txBox="1"/>
-          <p:nvPr/>
-        </p:nvSpPr>
-        <p:spPr>
-          <a:xfrm>
-            <a:off x="3756865" y="5726103"/>
-            <a:ext cx="3379033" cy="707886"/>
-          </a:xfrm>
-          <a:prstGeom prst="rect">
-            <a:avLst/>
-          </a:prstGeom>
-          <a:noFill/>
-          <a:effectLst>
-            <a:glow rad="63500">
-              <a:schemeClr val="accent2">
-                <a:satMod val="175000"/>
-                <a:alpha val="0"/>
-              </a:schemeClr>
-            </a:glow>
-          </a:effectLst>
-        </p:spPr>
-        <p:txBody>
-          <a:bodyPr wrap="square" rtlCol="0">
-            <a:spAutoFit/>
-          </a:bodyPr>
-          <a:lstStyle>
-            <a:defPPr>
-              <a:defRPr lang="en-US"/>
-            </a:defPPr>
-            <a:lvl1pPr>
-              <a:defRPr sz="2000">
-                <a:solidFill>
-                  <a:schemeClr val="bg2"/>
-                </a:solidFill>
-              </a:defRPr>
-            </a:lvl1pPr>
-          </a:lstStyle>
-          <a:p>
-            <a:r>
-              <a:rPr lang="en-US" dirty="0">
-                <a:solidFill>
-                  <a:schemeClr val="tx1"/>
-                </a:solidFill>
-              </a:rPr>
-              <a:t>These two elements are sorted</a:t>
             </a:r>
           </a:p>
         </p:txBody>
@@ -26381,13 +26187,13 @@
           <p:nvPr>
             <p:extLst>
               <p:ext uri="{D42A27DB-BD31-4B8C-83A1-F6EECF244321}">
-                <p14:modId xmlns:p14="http://schemas.microsoft.com/office/powerpoint/2010/main" val="2326226655"/>
+                <p14:modId xmlns:p14="http://schemas.microsoft.com/office/powerpoint/2010/main" val="790425173"/>
               </p:ext>
             </p:extLst>
           </p:nvPr>
         </p:nvGraphicFramePr>
         <p:xfrm>
-          <a:off x="1147209" y="5054012"/>
+          <a:off x="1147209" y="3429000"/>
           <a:ext cx="7865800" cy="936729"/>
         </p:xfrm>
         <a:graphic>
@@ -26606,42 +26412,36 @@
                     <a:lstStyle/>
                     <a:p>
                       <a:pPr algn="ctr"/>
-                      <a:r>
-                        <a:rPr lang="en-US" sz="2000" b="1" cap="none" spc="0" dirty="0">
-                          <a:ln>
-                            <a:noFill/>
-                          </a:ln>
-                          <a:solidFill>
-                            <a:schemeClr val="tx1"/>
-                          </a:solidFill>
-                          <a:effectLst/>
-                        </a:rPr>
-                        <a:t>80</a:t>
-                      </a:r>
-                    </a:p>
-                  </a:txBody>
-                  <a:tcPr anchor="ctr">
-                    <a:noFill/>
-                  </a:tcPr>
-                </a:tc>
-                <a:tc>
-                  <a:txBody>
-                    <a:bodyPr/>
-                    <a:lstStyle/>
-                    <a:p>
-                      <a:pPr algn="ctr"/>
-                      <a:r>
-                        <a:rPr lang="en-US" sz="2000" b="1" cap="none" spc="0" dirty="0">
-                          <a:ln>
-                            <a:noFill/>
-                          </a:ln>
-                          <a:solidFill>
-                            <a:schemeClr val="tx1"/>
-                          </a:solidFill>
-                          <a:effectLst/>
-                        </a:rPr>
-                        <a:t>70</a:t>
-                      </a:r>
+                      <a:endParaRPr lang="en-US" sz="2000" b="1" cap="none" spc="0" dirty="0">
+                        <a:ln>
+                          <a:noFill/>
+                        </a:ln>
+                        <a:solidFill>
+                          <a:schemeClr val="tx1"/>
+                        </a:solidFill>
+                        <a:effectLst/>
+                      </a:endParaRPr>
+                    </a:p>
+                  </a:txBody>
+                  <a:tcPr anchor="ctr">
+                    <a:noFill/>
+                  </a:tcPr>
+                </a:tc>
+                <a:tc>
+                  <a:txBody>
+                    <a:bodyPr/>
+                    <a:lstStyle/>
+                    <a:p>
+                      <a:pPr algn="ctr"/>
+                      <a:endParaRPr lang="en-US" sz="2000" b="1" cap="none" spc="0" dirty="0">
+                        <a:ln>
+                          <a:noFill/>
+                        </a:ln>
+                        <a:solidFill>
+                          <a:schemeClr val="tx1"/>
+                        </a:solidFill>
+                        <a:effectLst/>
+                      </a:endParaRPr>
                     </a:p>
                   </a:txBody>
                   <a:tcPr anchor="ctr">
@@ -26988,7 +26788,7 @@
         </p:nvSpPr>
         <p:spPr>
           <a:xfrm>
-            <a:off x="9397998" y="2110960"/>
+            <a:off x="7361413" y="2173901"/>
             <a:ext cx="664422" cy="400110"/>
           </a:xfrm>
           <a:prstGeom prst="rect">
@@ -27162,7 +26962,556 @@
         </p:nvSpPr>
         <p:spPr>
           <a:xfrm>
-            <a:off x="9397998" y="5054012"/>
+            <a:off x="9338193" y="6411125"/>
+            <a:ext cx="664422" cy="400110"/>
+          </a:xfrm>
+          <a:prstGeom prst="rect">
+            <a:avLst/>
+          </a:prstGeom>
+          <a:noFill/>
+          <a:effectLst>
+            <a:glow rad="63500">
+              <a:schemeClr val="accent2">
+                <a:satMod val="175000"/>
+                <a:alpha val="0"/>
+              </a:schemeClr>
+            </a:glow>
+          </a:effectLst>
+        </p:spPr>
+        <p:txBody>
+          <a:bodyPr wrap="square" rtlCol="0">
+            <a:spAutoFit/>
+          </a:bodyPr>
+          <a:lstStyle>
+            <a:defPPr>
+              <a:defRPr lang="en-US"/>
+            </a:defPPr>
+            <a:lvl1pPr>
+              <a:defRPr sz="2000">
+                <a:solidFill>
+                  <a:schemeClr val="bg2"/>
+                </a:solidFill>
+              </a:defRPr>
+            </a:lvl1pPr>
+          </a:lstStyle>
+          <a:p>
+            <a:r>
+              <a:rPr lang="en-US" dirty="0">
+                <a:solidFill>
+                  <a:schemeClr val="tx1"/>
+                </a:solidFill>
+              </a:rPr>
+              <a:t>k</a:t>
+            </a:r>
+          </a:p>
+        </p:txBody>
+      </p:sp>
+      <p:graphicFrame>
+        <p:nvGraphicFramePr>
+          <p:cNvPr id="15" name="Table 2">
+            <a:extLst>
+              <a:ext uri="{FF2B5EF4-FFF2-40B4-BE49-F238E27FC236}">
+                <a16:creationId xmlns:a16="http://schemas.microsoft.com/office/drawing/2014/main" id="{6DB8E19B-9CFE-0388-655C-547E037A1751}"/>
+              </a:ext>
+            </a:extLst>
+          </p:cNvPr>
+          <p:cNvGraphicFramePr>
+            <a:graphicFrameLocks noGrp="1"/>
+          </p:cNvGraphicFramePr>
+          <p:nvPr>
+            <p:extLst>
+              <p:ext uri="{D42A27DB-BD31-4B8C-83A1-F6EECF244321}">
+                <p14:modId xmlns:p14="http://schemas.microsoft.com/office/powerpoint/2010/main" val="1694054088"/>
+              </p:ext>
+            </p:extLst>
+          </p:nvPr>
+        </p:nvGraphicFramePr>
+        <p:xfrm>
+          <a:off x="1147209" y="5474396"/>
+          <a:ext cx="7865800" cy="936729"/>
+        </p:xfrm>
+        <a:graphic>
+          <a:graphicData uri="http://schemas.openxmlformats.org/drawingml/2006/table">
+            <a:tbl>
+              <a:tblPr>
+                <a:effectLst/>
+                <a:tableStyleId>{5C22544A-7EE6-4342-B048-85BDC9FD1C3A}</a:tableStyleId>
+              </a:tblPr>
+              <a:tblGrid>
+                <a:gridCol w="896624">
+                  <a:extLst>
+                    <a:ext uri="{9D8B030D-6E8A-4147-A177-3AD203B41FA5}">
+                      <a16:colId xmlns:a16="http://schemas.microsoft.com/office/drawing/2014/main" val="903445238"/>
+                    </a:ext>
+                  </a:extLst>
+                </a:gridCol>
+                <a:gridCol w="924466">
+                  <a:extLst>
+                    <a:ext uri="{9D8B030D-6E8A-4147-A177-3AD203B41FA5}">
+                      <a16:colId xmlns:a16="http://schemas.microsoft.com/office/drawing/2014/main" val="1986698563"/>
+                    </a:ext>
+                  </a:extLst>
+                </a:gridCol>
+                <a:gridCol w="982530">
+                  <a:extLst>
+                    <a:ext uri="{9D8B030D-6E8A-4147-A177-3AD203B41FA5}">
+                      <a16:colId xmlns:a16="http://schemas.microsoft.com/office/drawing/2014/main" val="621528173"/>
+                    </a:ext>
+                  </a:extLst>
+                </a:gridCol>
+                <a:gridCol w="998632">
+                  <a:extLst>
+                    <a:ext uri="{9D8B030D-6E8A-4147-A177-3AD203B41FA5}">
+                      <a16:colId xmlns:a16="http://schemas.microsoft.com/office/drawing/2014/main" val="3612687831"/>
+                    </a:ext>
+                  </a:extLst>
+                </a:gridCol>
+                <a:gridCol w="1015887">
+                  <a:extLst>
+                    <a:ext uri="{9D8B030D-6E8A-4147-A177-3AD203B41FA5}">
+                      <a16:colId xmlns:a16="http://schemas.microsoft.com/office/drawing/2014/main" val="3748818096"/>
+                    </a:ext>
+                  </a:extLst>
+                </a:gridCol>
+                <a:gridCol w="1015887">
+                  <a:extLst>
+                    <a:ext uri="{9D8B030D-6E8A-4147-A177-3AD203B41FA5}">
+                      <a16:colId xmlns:a16="http://schemas.microsoft.com/office/drawing/2014/main" val="3650268364"/>
+                    </a:ext>
+                  </a:extLst>
+                </a:gridCol>
+                <a:gridCol w="1015887">
+                  <a:extLst>
+                    <a:ext uri="{9D8B030D-6E8A-4147-A177-3AD203B41FA5}">
+                      <a16:colId xmlns:a16="http://schemas.microsoft.com/office/drawing/2014/main" val="2418022822"/>
+                    </a:ext>
+                  </a:extLst>
+                </a:gridCol>
+                <a:gridCol w="1015887">
+                  <a:extLst>
+                    <a:ext uri="{9D8B030D-6E8A-4147-A177-3AD203B41FA5}">
+                      <a16:colId xmlns:a16="http://schemas.microsoft.com/office/drawing/2014/main" val="2980166291"/>
+                    </a:ext>
+                  </a:extLst>
+                </a:gridCol>
+              </a:tblGrid>
+              <a:tr h="501787">
+                <a:tc>
+                  <a:txBody>
+                    <a:bodyPr/>
+                    <a:lstStyle/>
+                    <a:p>
+                      <a:pPr algn="ctr"/>
+                      <a:r>
+                        <a:rPr lang="en-US" sz="2000" b="1" cap="none" spc="0" dirty="0">
+                          <a:ln>
+                            <a:noFill/>
+                          </a:ln>
+                          <a:solidFill>
+                            <a:schemeClr val="tx1"/>
+                          </a:solidFill>
+                          <a:effectLst/>
+                        </a:rPr>
+                        <a:t>40</a:t>
+                      </a:r>
+                    </a:p>
+                  </a:txBody>
+                  <a:tcPr anchor="ctr">
+                    <a:noFill/>
+                  </a:tcPr>
+                </a:tc>
+                <a:tc>
+                  <a:txBody>
+                    <a:bodyPr/>
+                    <a:lstStyle/>
+                    <a:p>
+                      <a:pPr algn="ctr"/>
+                      <a:r>
+                        <a:rPr lang="en-US" sz="2000" b="1" cap="none" spc="0" dirty="0">
+                          <a:ln>
+                            <a:noFill/>
+                          </a:ln>
+                          <a:solidFill>
+                            <a:schemeClr val="tx1"/>
+                          </a:solidFill>
+                          <a:effectLst/>
+                        </a:rPr>
+                        <a:t>30</a:t>
+                      </a:r>
+                    </a:p>
+                  </a:txBody>
+                  <a:tcPr anchor="ctr">
+                    <a:noFill/>
+                  </a:tcPr>
+                </a:tc>
+                <a:tc>
+                  <a:txBody>
+                    <a:bodyPr/>
+                    <a:lstStyle/>
+                    <a:p>
+                      <a:pPr algn="ctr"/>
+                      <a:r>
+                        <a:rPr lang="en-US" sz="2000" b="1" cap="none" spc="0" dirty="0">
+                          <a:ln>
+                            <a:noFill/>
+                          </a:ln>
+                          <a:solidFill>
+                            <a:schemeClr val="tx1"/>
+                          </a:solidFill>
+                          <a:effectLst/>
+                        </a:rPr>
+                        <a:t>50</a:t>
+                      </a:r>
+                    </a:p>
+                  </a:txBody>
+                  <a:tcPr anchor="ctr">
+                    <a:noFill/>
+                  </a:tcPr>
+                </a:tc>
+                <a:tc>
+                  <a:txBody>
+                    <a:bodyPr/>
+                    <a:lstStyle/>
+                    <a:p>
+                      <a:pPr algn="ctr"/>
+                      <a:r>
+                        <a:rPr lang="en-US" sz="2000" b="1" cap="none" spc="0" dirty="0">
+                          <a:ln>
+                            <a:noFill/>
+                          </a:ln>
+                          <a:solidFill>
+                            <a:schemeClr val="tx1"/>
+                          </a:solidFill>
+                          <a:effectLst/>
+                        </a:rPr>
+                        <a:t>20</a:t>
+                      </a:r>
+                    </a:p>
+                  </a:txBody>
+                  <a:tcPr anchor="ctr">
+                    <a:noFill/>
+                  </a:tcPr>
+                </a:tc>
+                <a:tc>
+                  <a:txBody>
+                    <a:bodyPr/>
+                    <a:lstStyle/>
+                    <a:p>
+                      <a:pPr algn="ctr"/>
+                      <a:r>
+                        <a:rPr lang="en-US" sz="2000" b="1" cap="none" spc="0" dirty="0">
+                          <a:ln>
+                            <a:noFill/>
+                          </a:ln>
+                          <a:solidFill>
+                            <a:schemeClr val="tx1"/>
+                          </a:solidFill>
+                          <a:effectLst/>
+                        </a:rPr>
+                        <a:t>60</a:t>
+                      </a:r>
+                    </a:p>
+                  </a:txBody>
+                  <a:tcPr anchor="ctr">
+                    <a:noFill/>
+                  </a:tcPr>
+                </a:tc>
+                <a:tc>
+                  <a:txBody>
+                    <a:bodyPr/>
+                    <a:lstStyle/>
+                    <a:p>
+                      <a:pPr algn="ctr"/>
+                      <a:r>
+                        <a:rPr lang="en-US" sz="2000" b="1" cap="none" spc="0" dirty="0">
+                          <a:ln>
+                            <a:noFill/>
+                          </a:ln>
+                          <a:solidFill>
+                            <a:schemeClr val="tx1"/>
+                          </a:solidFill>
+                          <a:effectLst/>
+                        </a:rPr>
+                        <a:t>10</a:t>
+                      </a:r>
+                    </a:p>
+                  </a:txBody>
+                  <a:tcPr anchor="ctr">
+                    <a:noFill/>
+                  </a:tcPr>
+                </a:tc>
+                <a:tc>
+                  <a:txBody>
+                    <a:bodyPr/>
+                    <a:lstStyle/>
+                    <a:p>
+                      <a:pPr algn="ctr"/>
+                      <a:r>
+                        <a:rPr lang="en-US" sz="2000" b="1" cap="none" spc="0" dirty="0">
+                          <a:ln>
+                            <a:noFill/>
+                          </a:ln>
+                          <a:solidFill>
+                            <a:schemeClr val="tx1"/>
+                          </a:solidFill>
+                          <a:effectLst/>
+                        </a:rPr>
+                        <a:t>80</a:t>
+                      </a:r>
+                    </a:p>
+                  </a:txBody>
+                  <a:tcPr anchor="ctr">
+                    <a:noFill/>
+                  </a:tcPr>
+                </a:tc>
+                <a:tc>
+                  <a:txBody>
+                    <a:bodyPr/>
+                    <a:lstStyle/>
+                    <a:p>
+                      <a:pPr algn="ctr"/>
+                      <a:r>
+                        <a:rPr lang="en-US" sz="2000" b="1" cap="none" spc="0" dirty="0">
+                          <a:ln>
+                            <a:noFill/>
+                          </a:ln>
+                          <a:solidFill>
+                            <a:schemeClr val="tx1"/>
+                          </a:solidFill>
+                          <a:effectLst/>
+                        </a:rPr>
+                        <a:t>70</a:t>
+                      </a:r>
+                    </a:p>
+                  </a:txBody>
+                  <a:tcPr anchor="ctr">
+                    <a:noFill/>
+                  </a:tcPr>
+                </a:tc>
+                <a:extLst>
+                  <a:ext uri="{0D108BD9-81ED-4DB2-BD59-A6C34878D82A}">
+                    <a16:rowId xmlns:a16="http://schemas.microsoft.com/office/drawing/2014/main" val="3319565494"/>
+                  </a:ext>
+                </a:extLst>
+              </a:tr>
+              <a:tr h="434942">
+                <a:tc>
+                  <a:txBody>
+                    <a:bodyPr/>
+                    <a:lstStyle/>
+                    <a:p>
+                      <a:pPr algn="ctr"/>
+                      <a:r>
+                        <a:rPr lang="en-US" sz="2000" b="0" cap="none" spc="0" dirty="0">
+                          <a:ln>
+                            <a:noFill/>
+                          </a:ln>
+                          <a:solidFill>
+                            <a:schemeClr val="tx1"/>
+                          </a:solidFill>
+                          <a:effectLst/>
+                        </a:rPr>
+                        <a:t>0</a:t>
+                      </a:r>
+                    </a:p>
+                  </a:txBody>
+                  <a:tcPr anchor="ctr">
+                    <a:noFill/>
+                  </a:tcPr>
+                </a:tc>
+                <a:tc>
+                  <a:txBody>
+                    <a:bodyPr/>
+                    <a:lstStyle/>
+                    <a:p>
+                      <a:pPr algn="ctr"/>
+                      <a:r>
+                        <a:rPr lang="en-US" sz="2000" b="0" cap="none" spc="0" dirty="0">
+                          <a:ln>
+                            <a:noFill/>
+                          </a:ln>
+                          <a:solidFill>
+                            <a:schemeClr val="tx1"/>
+                          </a:solidFill>
+                          <a:effectLst/>
+                        </a:rPr>
+                        <a:t>1</a:t>
+                      </a:r>
+                    </a:p>
+                  </a:txBody>
+                  <a:tcPr anchor="ctr">
+                    <a:noFill/>
+                  </a:tcPr>
+                </a:tc>
+                <a:tc>
+                  <a:txBody>
+                    <a:bodyPr/>
+                    <a:lstStyle/>
+                    <a:p>
+                      <a:pPr algn="ctr"/>
+                      <a:r>
+                        <a:rPr lang="en-US" sz="2000" b="0" cap="none" spc="0" dirty="0">
+                          <a:ln>
+                            <a:noFill/>
+                          </a:ln>
+                          <a:solidFill>
+                            <a:schemeClr val="tx1"/>
+                          </a:solidFill>
+                          <a:effectLst/>
+                        </a:rPr>
+                        <a:t>2</a:t>
+                      </a:r>
+                    </a:p>
+                  </a:txBody>
+                  <a:tcPr anchor="ctr">
+                    <a:noFill/>
+                  </a:tcPr>
+                </a:tc>
+                <a:tc>
+                  <a:txBody>
+                    <a:bodyPr/>
+                    <a:lstStyle/>
+                    <a:p>
+                      <a:pPr algn="ctr"/>
+                      <a:r>
+                        <a:rPr lang="en-US" sz="2000" b="0" cap="none" spc="0" dirty="0">
+                          <a:ln>
+                            <a:noFill/>
+                          </a:ln>
+                          <a:solidFill>
+                            <a:schemeClr val="tx1"/>
+                          </a:solidFill>
+                          <a:effectLst/>
+                        </a:rPr>
+                        <a:t>3</a:t>
+                      </a:r>
+                    </a:p>
+                  </a:txBody>
+                  <a:tcPr anchor="ctr">
+                    <a:noFill/>
+                  </a:tcPr>
+                </a:tc>
+                <a:tc>
+                  <a:txBody>
+                    <a:bodyPr/>
+                    <a:lstStyle/>
+                    <a:p>
+                      <a:pPr algn="ctr"/>
+                      <a:r>
+                        <a:rPr lang="en-US" sz="2000" b="0" cap="none" spc="0" dirty="0">
+                          <a:ln>
+                            <a:noFill/>
+                          </a:ln>
+                          <a:solidFill>
+                            <a:schemeClr val="tx1"/>
+                          </a:solidFill>
+                          <a:effectLst/>
+                        </a:rPr>
+                        <a:t>4</a:t>
+                      </a:r>
+                    </a:p>
+                  </a:txBody>
+                  <a:tcPr anchor="ctr">
+                    <a:noFill/>
+                  </a:tcPr>
+                </a:tc>
+                <a:tc>
+                  <a:txBody>
+                    <a:bodyPr/>
+                    <a:lstStyle/>
+                    <a:p>
+                      <a:pPr algn="ctr"/>
+                      <a:r>
+                        <a:rPr lang="en-US" sz="2000" b="0" cap="none" spc="0" dirty="0">
+                          <a:ln>
+                            <a:noFill/>
+                          </a:ln>
+                          <a:solidFill>
+                            <a:schemeClr val="tx1"/>
+                          </a:solidFill>
+                          <a:effectLst/>
+                        </a:rPr>
+                        <a:t>5</a:t>
+                      </a:r>
+                    </a:p>
+                  </a:txBody>
+                  <a:tcPr anchor="ctr">
+                    <a:noFill/>
+                  </a:tcPr>
+                </a:tc>
+                <a:tc>
+                  <a:txBody>
+                    <a:bodyPr/>
+                    <a:lstStyle/>
+                    <a:p>
+                      <a:pPr algn="ctr"/>
+                      <a:r>
+                        <a:rPr lang="en-US" sz="2000" b="0" cap="none" spc="0" dirty="0">
+                          <a:ln>
+                            <a:noFill/>
+                          </a:ln>
+                          <a:solidFill>
+                            <a:schemeClr val="tx1"/>
+                          </a:solidFill>
+                          <a:effectLst/>
+                        </a:rPr>
+                        <a:t>6</a:t>
+                      </a:r>
+                    </a:p>
+                  </a:txBody>
+                  <a:tcPr anchor="ctr">
+                    <a:noFill/>
+                  </a:tcPr>
+                </a:tc>
+                <a:tc>
+                  <a:txBody>
+                    <a:bodyPr/>
+                    <a:lstStyle/>
+                    <a:p>
+                      <a:pPr algn="ctr"/>
+                      <a:r>
+                        <a:rPr lang="en-US" sz="2000" b="0" cap="none" spc="0" dirty="0">
+                          <a:ln>
+                            <a:noFill/>
+                          </a:ln>
+                          <a:solidFill>
+                            <a:schemeClr val="tx1"/>
+                          </a:solidFill>
+                          <a:effectLst/>
+                        </a:rPr>
+                        <a:t>7</a:t>
+                      </a:r>
+                    </a:p>
+                  </a:txBody>
+                  <a:tcPr anchor="ctr">
+                    <a:noFill/>
+                  </a:tcPr>
+                </a:tc>
+                <a:extLst>
+                  <a:ext uri="{0D108BD9-81ED-4DB2-BD59-A6C34878D82A}">
+                    <a16:rowId xmlns:a16="http://schemas.microsoft.com/office/drawing/2014/main" val="1211151737"/>
+                  </a:ext>
+                </a:extLst>
+              </a:tr>
+            </a:tbl>
+          </a:graphicData>
+        </a:graphic>
+      </p:graphicFrame>
+      <p:sp>
+        <p:nvSpPr>
+          <p:cNvPr id="18" name="TextBox 17">
+            <a:extLst>
+              <a:ext uri="{FF2B5EF4-FFF2-40B4-BE49-F238E27FC236}">
+                <a16:creationId xmlns:a16="http://schemas.microsoft.com/office/drawing/2014/main" id="{F07C4CDE-A3D7-1EC7-B850-31057CC73FC6}"/>
+              </a:ext>
+            </a:extLst>
+          </p:cNvPr>
+          <p:cNvSpPr txBox="1"/>
+          <p:nvPr/>
+        </p:nvSpPr>
+        <p:spPr>
+          <a:xfrm>
+            <a:off x="6323722" y="4451096"/>
             <a:ext cx="664422" cy="400110"/>
           </a:xfrm>
           <a:prstGeom prst="rect">
